--- a/study/ppt/[스터디]멀티암드밴딧_KDH.pptx
+++ b/study/ppt/[스터디]멀티암드밴딧_KDH.pptx
@@ -309,7 +309,7 @@
       </p15:sldGuideLst>
     </p:ext>
     <p:ext uri="http://customooxmlschemas.google.com/">
-      <go:slidesCustomData xmlns:go="http://customooxmlschemas.google.com/" xmlns:p15="http://schemas.microsoft.com/office/powerpoint/2012/main" xmlns:p14="http://schemas.microsoft.com/office/powerpoint/2010/main" xmlns:com="http://schemas.openxmlformats.org/drawingml/2006/compatibility" xmlns:pvml="urn:schemas-microsoft-com:office:powerpoint" xmlns:v="urn:schemas-microsoft-com:vml" xmlns:o="urn:schemas-microsoft-com:office:office" xmlns:dgm="http://schemas.openxmlformats.org/drawingml/2006/diagram" xmlns:c="http://schemas.openxmlformats.org/drawingml/2006/chart" xmlns:mv="urn:schemas-microsoft-com:mac:vml" xmlns:mc="http://schemas.openxmlformats.org/markup-compatibility/2006" xmlns="" r:id="rId10" roundtripDataSignature="AMtx7mhva3UHPhQA4WbyUQCroSE+7w+SGg=="/>
+      <go:slidesCustomData xmlns="" xmlns:mc="http://schemas.openxmlformats.org/markup-compatibility/2006" xmlns:mv="urn:schemas-microsoft-com:mac:vml" xmlns:c="http://schemas.openxmlformats.org/drawingml/2006/chart" xmlns:dgm="http://schemas.openxmlformats.org/drawingml/2006/diagram" xmlns:o="urn:schemas-microsoft-com:office:office" xmlns:v="urn:schemas-microsoft-com:vml" xmlns:pvml="urn:schemas-microsoft-com:office:powerpoint" xmlns:com="http://schemas.openxmlformats.org/drawingml/2006/compatibility" xmlns:p14="http://schemas.microsoft.com/office/powerpoint/2010/main" xmlns:p15="http://schemas.microsoft.com/office/powerpoint/2012/main" xmlns:go="http://customooxmlschemas.google.com/" r:id="rId10" roundtripDataSignature="AMtx7mhva3UHPhQA4WbyUQCroSE+7w+SGg=="/>
     </p:ext>
   </p:extLst>
 </p:presentation>
@@ -2002,6 +2002,15 @@
               <a:buFont typeface="Noto Sans Symbols"/>
               <a:buNone/>
             </a:pPr>
+            <a:r>
+              <a:rPr lang="en-US" altLang="ko-KR" dirty="0">
+                <a:highlight>
+                  <a:srgbClr val="FFFF00"/>
+                </a:highlight>
+                <a:hlinkClick r:id="rId3"/>
+              </a:rPr>
+              <a:t>https://brunch.co.kr/@chris-song/66</a:t>
+            </a:r>
             <a:endParaRPr lang="en-US" altLang="ko-KR" dirty="0">
               <a:highlight>
                 <a:srgbClr val="FFFF00"/>
@@ -4296,7 +4305,7 @@
         <p:spPr>
           <a:xfrm>
             <a:off x="0" y="1235676"/>
-            <a:ext cx="9906000" cy="3170099"/>
+            <a:ext cx="9906000" cy="3724096"/>
           </a:xfrm>
           <a:prstGeom prst="rect">
             <a:avLst/>
@@ -4332,79 +4341,35 @@
           </a:p>
           <a:p>
             <a:r>
-              <a:rPr lang="ko-KR" altLang="en-US" sz="1600" dirty="0"/>
+              <a:rPr lang="ko-KR" altLang="en-US" sz="2000" b="1" dirty="0"/>
               <a:t>탐색</a:t>
             </a:r>
             <a:r>
-              <a:rPr lang="en-US" altLang="ko-KR" sz="1600" dirty="0"/>
+              <a:rPr lang="en-US" altLang="ko-KR" sz="2000" b="1" dirty="0"/>
               <a:t>(Exploration)</a:t>
             </a:r>
             <a:r>
-              <a:rPr lang="ko-KR" altLang="en-US" sz="1600" dirty="0"/>
+              <a:rPr lang="ko-KR" altLang="en-US" sz="2000" b="1" dirty="0"/>
               <a:t>과 활용</a:t>
             </a:r>
             <a:r>
-              <a:rPr lang="en-US" altLang="ko-KR" sz="1600" dirty="0"/>
+              <a:rPr lang="en-US" altLang="ko-KR" sz="2000" b="1" dirty="0"/>
               <a:t>(Exploitation)</a:t>
             </a:r>
           </a:p>
           <a:p>
-            <a:r>
-              <a:rPr lang="ko-KR" altLang="en-US" sz="1600" dirty="0"/>
-              <a:t>세 개의 슬롯머신을 한 번씩만 테스트 했다</a:t>
-            </a:r>
-            <a:r>
-              <a:rPr lang="en-US" altLang="ko-KR" sz="1600" dirty="0"/>
-              <a:t>. </a:t>
-            </a:r>
-            <a:r>
-              <a:rPr lang="ko-KR" altLang="en-US" sz="1600" dirty="0"/>
-              <a:t>탐험이 충분히 이루어지지 않았다</a:t>
-            </a:r>
-            <a:r>
-              <a:rPr lang="en-US" altLang="ko-KR" sz="1600" dirty="0"/>
-              <a:t>.</a:t>
-            </a:r>
-          </a:p>
-          <a:p>
-            <a:r>
-              <a:rPr lang="ko-KR" altLang="en-US" sz="1600" dirty="0"/>
-              <a:t>한 슬롯머신에서만 게임을 해 다른 게임은 고려하지 않았다</a:t>
-            </a:r>
-            <a:r>
-              <a:rPr lang="en-US" altLang="ko-KR" sz="1600" dirty="0"/>
-              <a:t>. </a:t>
-            </a:r>
-            <a:r>
-              <a:rPr lang="ko-KR" altLang="en-US" sz="1600" dirty="0"/>
-              <a:t>활용이 충분히 이루어지지 않았다</a:t>
-            </a:r>
-            <a:r>
-              <a:rPr lang="en-US" altLang="ko-KR" sz="1600" dirty="0"/>
-              <a:t>?????</a:t>
-            </a:r>
-          </a:p>
-          <a:p>
-            <a:r>
-              <a:rPr lang="ko-KR" altLang="en-US" sz="1600" dirty="0"/>
-              <a:t>탐색과 활용을 조절하여 장기적으로 봤을 때 최종 </a:t>
-            </a:r>
-            <a:r>
-              <a:rPr lang="en-US" altLang="ko-KR" sz="1600" dirty="0"/>
-              <a:t>reward(</a:t>
-            </a:r>
-            <a:r>
-              <a:rPr lang="ko-KR" altLang="en-US" sz="1600" dirty="0"/>
-              <a:t>보상</a:t>
-            </a:r>
-            <a:r>
-              <a:rPr lang="en-US" altLang="ko-KR" sz="1600" dirty="0"/>
-              <a:t>)</a:t>
-            </a:r>
-            <a:r>
-              <a:rPr lang="ko-KR" altLang="en-US" sz="1600" dirty="0"/>
-              <a:t>를 최대화하기 위한 알고리즘</a:t>
-            </a:r>
+            <a:endParaRPr lang="en-US" altLang="ko-KR" sz="1600" dirty="0"/>
+          </a:p>
+          <a:p>
+            <a:endParaRPr lang="en-US" altLang="ko-KR" sz="1600" dirty="0"/>
+          </a:p>
+          <a:p>
+            <a:endParaRPr lang="en-US" altLang="ko-KR" sz="1600" dirty="0"/>
+          </a:p>
+          <a:p>
+            <a:endParaRPr lang="en-US" altLang="ko-KR" sz="1600" dirty="0"/>
+          </a:p>
+          <a:p>
             <a:endParaRPr lang="en-US" altLang="ko-KR" sz="1600" dirty="0"/>
           </a:p>
           <a:p>
@@ -4437,7 +4402,7 @@
         </p:nvSpPr>
         <p:spPr>
           <a:xfrm>
-            <a:off x="222421" y="1643448"/>
+            <a:off x="278116" y="1784096"/>
             <a:ext cx="9082217" cy="716693"/>
           </a:xfrm>
           <a:prstGeom prst="roundRect">
@@ -4480,7 +4445,7 @@
                   <a:schemeClr val="tx1"/>
                 </a:solidFill>
               </a:rPr>
-              <a:t>카지노에서 어떤 슬롯머신에 투자를 해야 이익을 최대화할 수 있을지에 대한 문제를 풀기위해 만들어진 알고리즘</a:t>
+              <a:t>카지노에서 어떤 슬롯머신에 투자를 해야 이익을 최대화할 수 있을지에 대한 문제를 풀기 위해 만들어진 알고리즘</a:t>
             </a:r>
             <a:r>
               <a:rPr lang="en-US" altLang="ko-KR" sz="1800" b="1" dirty="0">
@@ -4512,7 +4477,7 @@
         </p:nvSpPr>
         <p:spPr>
           <a:xfrm>
-            <a:off x="201827" y="4477265"/>
+            <a:off x="278116" y="5112303"/>
             <a:ext cx="9082217" cy="1058561"/>
           </a:xfrm>
           <a:prstGeom prst="roundRect">
@@ -4554,7 +4519,7 @@
                   <a:schemeClr val="tx1"/>
                 </a:solidFill>
               </a:rPr>
-              <a:t>간단하게 모든 슬롯머신을 한 번씩 플레이 한 후 가장 </a:t>
+              <a:t>간단하게 모든 슬롯머신을 한 번씩 플레이한 후 가장 </a:t>
             </a:r>
             <a:r>
               <a:rPr lang="en-US" altLang="ko-KR" sz="1800" b="1" dirty="0">
@@ -4658,7 +4623,7 @@
         </p:blipFill>
         <p:spPr>
           <a:xfrm>
-            <a:off x="5684634" y="4289406"/>
+            <a:off x="5799911" y="4435935"/>
             <a:ext cx="3718858" cy="2185240"/>
           </a:xfrm>
           <a:prstGeom prst="rect">
@@ -4673,6 +4638,128 @@
           </a:ln>
         </p:spPr>
       </p:pic>
+      <p:sp>
+        <p:nvSpPr>
+          <p:cNvPr id="9" name="사각형: 둥근 모서리 8">
+            <a:extLst>
+              <a:ext uri="{FF2B5EF4-FFF2-40B4-BE49-F238E27FC236}">
+                <a16:creationId xmlns:a16="http://schemas.microsoft.com/office/drawing/2014/main" id="{A70A8441-26F6-435D-88F1-1957D9614FE2}"/>
+              </a:ext>
+            </a:extLst>
+          </p:cNvPr>
+          <p:cNvSpPr/>
+          <p:nvPr/>
+        </p:nvSpPr>
+        <p:spPr>
+          <a:xfrm>
+            <a:off x="278116" y="3257147"/>
+            <a:ext cx="9082217" cy="1058561"/>
+          </a:xfrm>
+          <a:prstGeom prst="roundRect">
+            <a:avLst/>
+          </a:prstGeom>
+          <a:solidFill>
+            <a:schemeClr val="accent4">
+              <a:lumMod val="40000"/>
+              <a:lumOff val="60000"/>
+            </a:schemeClr>
+          </a:solidFill>
+          <a:ln>
+            <a:noFill/>
+          </a:ln>
+        </p:spPr>
+        <p:style>
+          <a:lnRef idx="2">
+            <a:schemeClr val="accent1">
+              <a:shade val="50000"/>
+            </a:schemeClr>
+          </a:lnRef>
+          <a:fillRef idx="1">
+            <a:schemeClr val="accent1"/>
+          </a:fillRef>
+          <a:effectRef idx="0">
+            <a:schemeClr val="accent1"/>
+          </a:effectRef>
+          <a:fontRef idx="minor">
+            <a:schemeClr val="lt1"/>
+          </a:fontRef>
+        </p:style>
+        <p:txBody>
+          <a:bodyPr rtlCol="0" anchor="ctr"/>
+          <a:lstStyle/>
+          <a:p>
+            <a:r>
+              <a:rPr lang="ko-KR" altLang="en-US" sz="1800" b="1" dirty="0">
+                <a:solidFill>
+                  <a:schemeClr val="tx1"/>
+                </a:solidFill>
+              </a:rPr>
+              <a:t>이미 알고 있는 최적의 방안을 얻었음에도 어느 정도 틀릴 수 있다는 여지를 두고 계속해서 실험하는 것을 </a:t>
+            </a:r>
+            <a:r>
+              <a:rPr lang="en-US" altLang="ko-KR" sz="1800" b="1" dirty="0">
+                <a:solidFill>
+                  <a:schemeClr val="tx1"/>
+                </a:solidFill>
+              </a:rPr>
+              <a:t>Exploration</a:t>
+            </a:r>
+            <a:r>
+              <a:rPr lang="ko-KR" altLang="en-US" sz="1800" b="1" dirty="0">
+                <a:solidFill>
+                  <a:schemeClr val="tx1"/>
+                </a:solidFill>
+              </a:rPr>
+              <a:t>이라고 합니다</a:t>
+            </a:r>
+            <a:r>
+              <a:rPr lang="en-US" altLang="ko-KR" sz="1800" b="1" dirty="0">
+                <a:solidFill>
+                  <a:schemeClr val="tx1"/>
+                </a:solidFill>
+              </a:rPr>
+              <a:t>. </a:t>
+            </a:r>
+            <a:r>
+              <a:rPr lang="ko-KR" altLang="en-US" sz="1800" b="1" dirty="0">
+                <a:solidFill>
+                  <a:schemeClr val="tx1"/>
+                </a:solidFill>
+              </a:rPr>
+              <a:t>반면에 최적의 방안을 얻고나서 이를 계속 채택하여 최대의 이익을 창출하는 것을 </a:t>
+            </a:r>
+            <a:r>
+              <a:rPr lang="en-US" altLang="ko-KR" sz="1800" b="1" dirty="0">
+                <a:solidFill>
+                  <a:schemeClr val="tx1"/>
+                </a:solidFill>
+              </a:rPr>
+              <a:t>Exploitation</a:t>
+            </a:r>
+            <a:r>
+              <a:rPr lang="ko-KR" altLang="en-US" sz="1800" b="1" dirty="0">
+                <a:solidFill>
+                  <a:schemeClr val="tx1"/>
+                </a:solidFill>
+              </a:rPr>
+              <a:t>이라고 합니다</a:t>
+            </a:r>
+            <a:r>
+              <a:rPr lang="en-US" altLang="ko-KR" sz="1800" b="1" dirty="0">
+                <a:solidFill>
+                  <a:schemeClr val="tx1"/>
+                </a:solidFill>
+              </a:rPr>
+              <a:t>. </a:t>
+            </a:r>
+            <a:endParaRPr lang="en-US" altLang="ko-KR" sz="2000" b="1" dirty="0">
+              <a:solidFill>
+                <a:schemeClr val="tx1"/>
+              </a:solidFill>
+            </a:endParaRPr>
+          </a:p>
+        </p:txBody>
+      </p:sp>
     </p:spTree>
     <p:extLst>
       <p:ext uri="{BB962C8B-B14F-4D97-AF65-F5344CB8AC3E}">
@@ -4951,7 +5038,7 @@
         <p:spPr>
           <a:xfrm>
             <a:off x="0" y="939113"/>
-            <a:ext cx="9906000" cy="4678204"/>
+            <a:ext cx="9906000" cy="5355312"/>
           </a:xfrm>
           <a:prstGeom prst="rect">
             <a:avLst/>
@@ -4993,6 +5080,21 @@
             <a:endParaRPr lang="en-US" altLang="ko-KR" sz="2000" b="1" dirty="0"/>
           </a:p>
           <a:p>
+            <a:endParaRPr lang="en-US" altLang="ko-KR" sz="2000" b="1" dirty="0"/>
+          </a:p>
+          <a:p>
+            <a:endParaRPr lang="en-US" altLang="ko-KR" sz="2000" b="1" dirty="0"/>
+          </a:p>
+          <a:p>
+            <a:endParaRPr lang="en-US" altLang="ko-KR" sz="2000" b="1" dirty="0"/>
+          </a:p>
+          <a:p>
+            <a:endParaRPr lang="en-US" altLang="ko-KR" sz="2000" b="1" dirty="0"/>
+          </a:p>
+          <a:p>
+            <a:endParaRPr lang="en-US" altLang="ko-KR" sz="2000" b="1" dirty="0"/>
+          </a:p>
+          <a:p>
             <a:r>
               <a:rPr lang="en-US" altLang="ko-KR" sz="2000" b="1" dirty="0"/>
               <a:t>UCB(Upper-Confidence-Bound) </a:t>
@@ -5026,59 +5128,6 @@
           </a:p>
           <a:p>
             <a:endParaRPr lang="en-US" altLang="ko-KR" dirty="0"/>
-          </a:p>
-          <a:p>
-            <a:endParaRPr lang="en-US" altLang="ko-KR" dirty="0"/>
-          </a:p>
-          <a:p>
-            <a:r>
-              <a:rPr lang="ko-KR" altLang="en-US" dirty="0"/>
-              <a:t>톰슨 샘플링은 매시간에서 전체 파라미터에 대해 구한 예측 </a:t>
-            </a:r>
-            <a:r>
-              <a:rPr lang="en-US" altLang="ko-KR" dirty="0"/>
-              <a:t>reward</a:t>
-            </a:r>
-            <a:r>
-              <a:rPr lang="ko-KR" altLang="en-US" dirty="0"/>
-              <a:t>를 최대화하는 </a:t>
-            </a:r>
-            <a:r>
-              <a:rPr lang="en-US" altLang="ko-KR" dirty="0"/>
-              <a:t>action</a:t>
-            </a:r>
-            <a:r>
-              <a:rPr lang="ko-KR" altLang="en-US" dirty="0"/>
-              <a:t>을 선택하는 것</a:t>
-            </a:r>
-            <a:r>
-              <a:rPr lang="en-US" altLang="ko-KR" dirty="0"/>
-              <a:t>.</a:t>
-            </a:r>
-          </a:p>
-          <a:p>
-            <a:r>
-              <a:rPr lang="ko-KR" altLang="en-US" dirty="0"/>
-              <a:t>톰슨 샘플링은 확률적 알고리즘이고 늦게 들어오는 피드백을 수용할 수 있다는 장점이 있다</a:t>
-            </a:r>
-            <a:r>
-              <a:rPr lang="en-US" altLang="ko-KR" dirty="0"/>
-              <a:t>.</a:t>
-            </a:r>
-          </a:p>
-          <a:p>
-            <a:r>
-              <a:rPr lang="ko-KR" altLang="en-US" dirty="0"/>
-              <a:t>가장 높은 행동을 선택 한 수 받은 보상으로부터 </a:t>
-            </a:r>
-            <a:r>
-              <a:rPr lang="ko-KR" altLang="en-US" dirty="0" err="1"/>
-              <a:t>베이즈</a:t>
-            </a:r>
-            <a:r>
-              <a:rPr lang="ko-KR" altLang="en-US" dirty="0"/>
-              <a:t> 정리를 활용하여 가치의 분포를 업데이트 하는 방식으로 동작</a:t>
-            </a:r>
           </a:p>
         </p:txBody>
       </p:sp>
@@ -5147,7 +5196,7 @@
                   <a:schemeClr val="tx1"/>
                 </a:solidFill>
               </a:rPr>
-              <a:t>에 좋은 거 선택 후 나머지는 랜덤으로 선택 하지만 꼭 랜덤이어야 하는가</a:t>
+              <a:t>에 좋은 거 선택 후 나머지는 랜덤으로 선택하지만 꼭 랜덤이어야 하는가</a:t>
             </a:r>
             <a:r>
               <a:rPr lang="en-US" altLang="ko-KR" sz="1800" b="1" dirty="0">
@@ -5203,7 +5252,7 @@
         </p:blipFill>
         <p:spPr>
           <a:xfrm>
-            <a:off x="6192663" y="1075039"/>
+            <a:off x="6249729" y="2270352"/>
             <a:ext cx="3110604" cy="1884924"/>
           </a:xfrm>
           <a:prstGeom prst="rect">
@@ -5232,7 +5281,7 @@
         </p:nvSpPr>
         <p:spPr>
           <a:xfrm>
-            <a:off x="177113" y="3105663"/>
+            <a:off x="278116" y="4683212"/>
             <a:ext cx="9082217" cy="1083277"/>
           </a:xfrm>
           <a:prstGeom prst="roundRect">
@@ -5338,23 +5387,7 @@
                   <a:schemeClr val="tx1"/>
                 </a:solidFill>
               </a:rPr>
-              <a:t>현재 시간에 기계가 선택된 횟수 등을 가지고 계산해서 나온 결과가 처음에 관측결과가 </a:t>
-            </a:r>
-            <a:r>
-              <a:rPr lang="ko-KR" altLang="en-US" sz="1800" b="1" dirty="0" err="1">
-                <a:solidFill>
-                  <a:schemeClr val="tx1"/>
-                </a:solidFill>
-              </a:rPr>
-              <a:t>좋은걸</a:t>
-            </a:r>
-            <a:r>
-              <a:rPr lang="ko-KR" altLang="en-US" sz="1800" b="1" dirty="0">
-                <a:solidFill>
-                  <a:schemeClr val="tx1"/>
-                </a:solidFill>
-              </a:rPr>
-              <a:t> 고르되 나머지는 경험적으로 가장 좋은 것을 선택한다는 것</a:t>
+              <a:t>현재 시간에 기계가 선택된 횟수 등을 가지고 계산해서 나온 결과가 처음에 관측 결과가 좋은 걸 고르되 나머지는 경험적으로 가장 좋은 것을 선택한다는 것</a:t>
             </a:r>
             <a:endParaRPr lang="en-US" altLang="ko-KR" sz="1800" b="1" dirty="0">
               <a:solidFill>
@@ -5374,126 +5407,6 @@
   <p:clrMapOvr>
     <a:masterClrMapping/>
   </p:clrMapOvr>
-  <p:timing>
-    <p:tnLst>
-      <p:par>
-        <p:cTn id="1" dur="indefinite" restart="never" nodeType="tmRoot">
-          <p:childTnLst>
-            <p:seq concurrent="1" nextAc="seek">
-              <p:cTn id="2" dur="indefinite" nodeType="mainSeq">
-                <p:childTnLst>
-                  <p:par>
-                    <p:cTn id="3" fill="hold">
-                      <p:stCondLst>
-                        <p:cond delay="indefinite"/>
-                      </p:stCondLst>
-                      <p:childTnLst>
-                        <p:par>
-                          <p:cTn id="4" fill="hold">
-                            <p:stCondLst>
-                              <p:cond delay="0"/>
-                            </p:stCondLst>
-                            <p:childTnLst>
-                              <p:par>
-                                <p:cTn id="5" presetID="1" presetClass="entr" presetSubtype="0" fill="hold" nodeType="clickEffect">
-                                  <p:stCondLst>
-                                    <p:cond delay="0"/>
-                                  </p:stCondLst>
-                                  <p:childTnLst>
-                                    <p:set>
-                                      <p:cBhvr>
-                                        <p:cTn id="6" dur="1" fill="hold">
-                                          <p:stCondLst>
-                                            <p:cond delay="0"/>
-                                          </p:stCondLst>
-                                        </p:cTn>
-                                        <p:tgtEl>
-                                          <p:spTgt spid="2"/>
-                                        </p:tgtEl>
-                                        <p:attrNameLst>
-                                          <p:attrName>style.visibility</p:attrName>
-                                        </p:attrNameLst>
-                                      </p:cBhvr>
-                                      <p:to>
-                                        <p:strVal val="visible"/>
-                                      </p:to>
-                                    </p:set>
-                                  </p:childTnLst>
-                                </p:cTn>
-                              </p:par>
-                            </p:childTnLst>
-                          </p:cTn>
-                        </p:par>
-                      </p:childTnLst>
-                    </p:cTn>
-                  </p:par>
-                  <p:par>
-                    <p:cTn id="7" fill="hold">
-                      <p:stCondLst>
-                        <p:cond delay="indefinite"/>
-                      </p:stCondLst>
-                      <p:childTnLst>
-                        <p:par>
-                          <p:cTn id="8" fill="hold">
-                            <p:stCondLst>
-                              <p:cond delay="0"/>
-                            </p:stCondLst>
-                            <p:childTnLst>
-                              <p:par>
-                                <p:cTn id="9" presetID="1" presetClass="exit" presetSubtype="0" fill="hold" nodeType="clickEffect">
-                                  <p:stCondLst>
-                                    <p:cond delay="0"/>
-                                  </p:stCondLst>
-                                  <p:childTnLst>
-                                    <p:set>
-                                      <p:cBhvr>
-                                        <p:cTn id="10" dur="1" fill="hold">
-                                          <p:stCondLst>
-                                            <p:cond delay="0"/>
-                                          </p:stCondLst>
-                                        </p:cTn>
-                                        <p:tgtEl>
-                                          <p:spTgt spid="2"/>
-                                        </p:tgtEl>
-                                        <p:attrNameLst>
-                                          <p:attrName>style.visibility</p:attrName>
-                                        </p:attrNameLst>
-                                      </p:cBhvr>
-                                      <p:to>
-                                        <p:strVal val="hidden"/>
-                                      </p:to>
-                                    </p:set>
-                                  </p:childTnLst>
-                                </p:cTn>
-                              </p:par>
-                            </p:childTnLst>
-                          </p:cTn>
-                        </p:par>
-                      </p:childTnLst>
-                    </p:cTn>
-                  </p:par>
-                </p:childTnLst>
-              </p:cTn>
-              <p:prevCondLst>
-                <p:cond evt="onPrev" delay="0">
-                  <p:tgtEl>
-                    <p:sldTgt/>
-                  </p:tgtEl>
-                </p:cond>
-              </p:prevCondLst>
-              <p:nextCondLst>
-                <p:cond evt="onNext" delay="0">
-                  <p:tgtEl>
-                    <p:sldTgt/>
-                  </p:tgtEl>
-                </p:cond>
-              </p:nextCondLst>
-            </p:seq>
-          </p:childTnLst>
-        </p:cTn>
-      </p:par>
-    </p:tnLst>
-  </p:timing>
 </p:sld>
 </file>
 
@@ -5680,83 +5593,434 @@
           </a:p>
         </p:txBody>
       </p:sp>
+      <mc:AlternateContent xmlns:mc="http://schemas.openxmlformats.org/markup-compatibility/2006">
+        <mc:Choice xmlns:a14="http://schemas.microsoft.com/office/drawing/2010/main" Requires="a14">
+          <p:sp>
+            <p:nvSpPr>
+              <p:cNvPr id="32" name="Google Shape;32;p2"/>
+              <p:cNvSpPr/>
+              <p:nvPr/>
+            </p:nvSpPr>
+            <p:spPr>
+              <a:xfrm>
+                <a:off x="-62262" y="930518"/>
+                <a:ext cx="9968261" cy="369300"/>
+              </a:xfrm>
+              <a:prstGeom prst="rect">
+                <a:avLst/>
+              </a:prstGeom>
+              <a:noFill/>
+              <a:ln>
+                <a:noFill/>
+              </a:ln>
+            </p:spPr>
+            <p:txBody>
+              <a:bodyPr spcFirstLastPara="1" wrap="square" lIns="91425" tIns="45700" rIns="91425" bIns="45700" anchor="t" anchorCtr="0">
+                <a:noAutofit/>
+              </a:bodyPr>
+              <a:lstStyle/>
+              <a:p>
+                <a:pPr lvl="1">
+                  <a:lnSpc>
+                    <a:spcPct val="150000"/>
+                  </a:lnSpc>
+                </a:pPr>
+                <a:r>
+                  <a:rPr lang="en-US" altLang="ko-KR" sz="2000" b="1" dirty="0"/>
+                  <a:t>Tompson Sampling</a:t>
+                </a:r>
+              </a:p>
+              <a:p>
+                <a:pPr lvl="1">
+                  <a:lnSpc>
+                    <a:spcPct val="150000"/>
+                  </a:lnSpc>
+                </a:pPr>
+                <a:endParaRPr lang="en-US" altLang="ko-KR" sz="1600" dirty="0"/>
+              </a:p>
+              <a:p>
+                <a:pPr lvl="1">
+                  <a:lnSpc>
+                    <a:spcPct val="150000"/>
+                  </a:lnSpc>
+                </a:pPr>
+                <a:endParaRPr lang="en-US" altLang="ko-KR" sz="1600" dirty="0"/>
+              </a:p>
+              <a:p>
+                <a:pPr lvl="1">
+                  <a:lnSpc>
+                    <a:spcPct val="150000"/>
+                  </a:lnSpc>
+                </a:pPr>
+                <a:endParaRPr lang="en-US" altLang="ko-KR" sz="1600" dirty="0"/>
+              </a:p>
+              <a:p>
+                <a:pPr lvl="1">
+                  <a:lnSpc>
+                    <a:spcPct val="150000"/>
+                  </a:lnSpc>
+                </a:pPr>
+                <a:endParaRPr lang="en-US" altLang="ko-KR" sz="1600" dirty="0"/>
+              </a:p>
+              <a:p>
+                <a:pPr lvl="1">
+                  <a:lnSpc>
+                    <a:spcPct val="150000"/>
+                  </a:lnSpc>
+                </a:pPr>
+                <a:endParaRPr lang="en-US" altLang="ko-KR" sz="1600" dirty="0"/>
+              </a:p>
+              <a:p>
+                <a:pPr lvl="1">
+                  <a:lnSpc>
+                    <a:spcPct val="150000"/>
+                  </a:lnSpc>
+                </a:pPr>
+                <a:endParaRPr lang="en-US" altLang="ko-KR" sz="1600" dirty="0"/>
+              </a:p>
+              <a:p>
+                <a:pPr lvl="1">
+                  <a:lnSpc>
+                    <a:spcPct val="150000"/>
+                  </a:lnSpc>
+                </a:pPr>
+                <a:endParaRPr lang="en-US" altLang="ko-KR" sz="1600" dirty="0"/>
+              </a:p>
+              <a:p>
+                <a:pPr lvl="1">
+                  <a:lnSpc>
+                    <a:spcPct val="150000"/>
+                  </a:lnSpc>
+                </a:pPr>
+                <a:endParaRPr lang="en-US" altLang="ko-KR" sz="1600" dirty="0"/>
+              </a:p>
+              <a:p>
+                <a:pPr lvl="1">
+                  <a:lnSpc>
+                    <a:spcPct val="150000"/>
+                  </a:lnSpc>
+                </a:pPr>
+                <a:endParaRPr lang="en-US" altLang="ko-KR" sz="1600" dirty="0"/>
+              </a:p>
+              <a:p>
+                <a:pPr marL="285750" lvl="1" indent="-285750">
+                  <a:lnSpc>
+                    <a:spcPct val="150000"/>
+                  </a:lnSpc>
+                  <a:buFont typeface="Wingdings" panose="05000000000000000000" pitchFamily="2" charset="2"/>
+                  <a:buChar char="v"/>
+                </a:pPr>
+                <a:r>
+                  <a:rPr lang="ko-KR" altLang="en-US" sz="1600" b="1" dirty="0"/>
+                  <a:t>베타분포</a:t>
+                </a:r>
+                <a:r>
+                  <a:rPr lang="ko-KR" altLang="en-US" sz="1600" dirty="0"/>
+                  <a:t> </a:t>
+                </a:r>
+                <a:r>
+                  <a:rPr lang="en-US" altLang="ko-KR" sz="1600" dirty="0"/>
+                  <a:t>: </a:t>
+                </a:r>
+                <a:r>
+                  <a:rPr lang="ko-KR" altLang="en-US" sz="1600" dirty="0"/>
+                  <a:t>두 매개변수 </a:t>
+                </a:r>
+                <a14:m>
+                  <m:oMath xmlns:m="http://schemas.openxmlformats.org/officeDocument/2006/math">
+                    <m:r>
+                      <a:rPr lang="en-US" altLang="ko-KR" sz="2000" i="1" dirty="0" smtClean="0">
+                        <a:latin typeface="Cambria Math" panose="02040503050406030204" pitchFamily="18" charset="0"/>
+                      </a:rPr>
+                      <m:t>𝛼</m:t>
+                    </m:r>
+                    <m:r>
+                      <a:rPr lang="en-US" altLang="ko-KR" sz="2000" b="0" i="0" dirty="0" smtClean="0">
+                        <a:latin typeface="Cambria Math" panose="02040503050406030204" pitchFamily="18" charset="0"/>
+                      </a:rPr>
+                      <m:t>, </m:t>
+                    </m:r>
+                    <m:r>
+                      <a:rPr lang="en-US" altLang="ko-KR" sz="1600" i="1" dirty="0" smtClean="0">
+                        <a:latin typeface="Cambria Math" panose="02040503050406030204" pitchFamily="18" charset="0"/>
+                      </a:rPr>
+                      <m:t>𝛽</m:t>
+                    </m:r>
+                    <m:r>
+                      <a:rPr lang="ko-KR" altLang="en-US" sz="1600" i="1" dirty="0">
+                        <a:latin typeface="Cambria Math" panose="02040503050406030204" pitchFamily="18" charset="0"/>
+                      </a:rPr>
+                      <m:t>에</m:t>
+                    </m:r>
+                  </m:oMath>
+                </a14:m>
+                <a:r>
+                  <a:rPr lang="en-US" altLang="ko-KR" sz="1600" dirty="0"/>
+                  <a:t> </a:t>
+                </a:r>
+                <a:r>
+                  <a:rPr lang="ko-KR" altLang="en-US" sz="1600" dirty="0"/>
+                  <a:t>따라 </a:t>
+                </a:r>
+                <a:r>
+                  <a:rPr lang="en-US" altLang="ko-KR" sz="1600" dirty="0"/>
+                  <a:t>[0, 1] </a:t>
+                </a:r>
+                <a:r>
+                  <a:rPr lang="ko-KR" altLang="en-US" sz="1600" dirty="0"/>
+                  <a:t>구간에서 정의되는 연속 확률 분포들의 가족이다</a:t>
+                </a:r>
+                <a:r>
+                  <a:rPr lang="en-US" altLang="ko-KR" sz="1600" dirty="0"/>
+                  <a:t>.</a:t>
+                </a:r>
+              </a:p>
+              <a:p>
+                <a:pPr marL="285750" lvl="1" indent="-285750">
+                  <a:lnSpc>
+                    <a:spcPct val="150000"/>
+                  </a:lnSpc>
+                  <a:buFont typeface="Wingdings" panose="05000000000000000000" pitchFamily="2" charset="2"/>
+                  <a:buChar char="v"/>
+                </a:pPr>
+                <a:r>
+                  <a:rPr lang="ko-KR" altLang="en-US" sz="1600" b="1" dirty="0" err="1"/>
+                  <a:t>베이즈정리</a:t>
+                </a:r>
+                <a:r>
+                  <a:rPr lang="ko-KR" altLang="en-US" sz="1600" dirty="0"/>
+                  <a:t> </a:t>
+                </a:r>
+                <a:r>
+                  <a:rPr lang="en-US" altLang="ko-KR" sz="1600" dirty="0"/>
+                  <a:t>: </a:t>
+                </a:r>
+                <a:r>
+                  <a:rPr lang="ko-KR" altLang="en-US" sz="1600" dirty="0"/>
+                  <a:t>두 확률 변수의 사전 확률과 사후 확률 사이의 관계를 나타내는 정리다</a:t>
+                </a:r>
+                <a:r>
+                  <a:rPr lang="en-US" altLang="ko-KR" sz="1600" dirty="0"/>
+                  <a:t>.</a:t>
+                </a:r>
+                <a:endParaRPr lang="en-US" altLang="ko-KR" sz="1800" dirty="0"/>
+              </a:p>
+            </p:txBody>
+          </p:sp>
+        </mc:Choice>
+        <mc:Fallback>
+          <p:sp>
+            <p:nvSpPr>
+              <p:cNvPr id="32" name="Google Shape;32;p2"/>
+              <p:cNvSpPr>
+                <a:spLocks noRot="1" noChangeAspect="1" noMove="1" noResize="1" noEditPoints="1" noAdjustHandles="1" noChangeArrowheads="1" noChangeShapeType="1" noTextEdit="1"/>
+              </p:cNvSpPr>
+              <p:nvPr/>
+            </p:nvSpPr>
+            <p:spPr>
+              <a:xfrm>
+                <a:off x="-62262" y="930518"/>
+                <a:ext cx="9968261" cy="369300"/>
+              </a:xfrm>
+              <a:prstGeom prst="rect">
+                <a:avLst/>
+              </a:prstGeom>
+              <a:blipFill>
+                <a:blip r:embed="rId3"/>
+                <a:stretch>
+                  <a:fillRect l="-673" b="-1181667"/>
+                </a:stretch>
+              </a:blipFill>
+              <a:ln>
+                <a:noFill/>
+              </a:ln>
+            </p:spPr>
+            <p:txBody>
+              <a:bodyPr/>
+              <a:lstStyle/>
+              <a:p>
+                <a:r>
+                  <a:rPr lang="ko-KR" altLang="en-US">
+                    <a:noFill/>
+                  </a:rPr>
+                  <a:t> </a:t>
+                </a:r>
+              </a:p>
+            </p:txBody>
+          </p:sp>
+        </mc:Fallback>
+      </mc:AlternateContent>
       <p:sp>
         <p:nvSpPr>
-          <p:cNvPr id="32" name="Google Shape;32;p2"/>
+          <p:cNvPr id="6" name="사각형: 둥근 모서리 5">
+            <a:extLst>
+              <a:ext uri="{FF2B5EF4-FFF2-40B4-BE49-F238E27FC236}">
+                <a16:creationId xmlns:a16="http://schemas.microsoft.com/office/drawing/2014/main" id="{BAAD3D98-BE06-46B8-BBA8-FB22065E75D3}"/>
+              </a:ext>
+            </a:extLst>
+          </p:cNvPr>
           <p:cNvSpPr/>
           <p:nvPr/>
         </p:nvSpPr>
         <p:spPr>
           <a:xfrm>
-            <a:off x="-62262" y="930518"/>
-            <a:ext cx="9968261" cy="369300"/>
+            <a:off x="221845" y="1589911"/>
+            <a:ext cx="9082217" cy="2720906"/>
           </a:xfrm>
-          <a:prstGeom prst="rect">
+          <a:prstGeom prst="roundRect">
             <a:avLst/>
           </a:prstGeom>
-          <a:noFill/>
+          <a:solidFill>
+            <a:schemeClr val="accent4">
+              <a:lumMod val="40000"/>
+              <a:lumOff val="60000"/>
+            </a:schemeClr>
+          </a:solidFill>
           <a:ln>
             <a:noFill/>
           </a:ln>
         </p:spPr>
+        <p:style>
+          <a:lnRef idx="2">
+            <a:schemeClr val="accent1">
+              <a:shade val="50000"/>
+            </a:schemeClr>
+          </a:lnRef>
+          <a:fillRef idx="1">
+            <a:schemeClr val="accent1"/>
+          </a:fillRef>
+          <a:effectRef idx="0">
+            <a:schemeClr val="accent1"/>
+          </a:effectRef>
+          <a:fontRef idx="minor">
+            <a:schemeClr val="lt1"/>
+          </a:fontRef>
+        </p:style>
         <p:txBody>
-          <a:bodyPr spcFirstLastPara="1" wrap="square" lIns="91425" tIns="45700" rIns="91425" bIns="45700" anchor="t" anchorCtr="0">
-            <a:noAutofit/>
-          </a:bodyPr>
+          <a:bodyPr rtlCol="0" anchor="ctr"/>
           <a:lstStyle/>
           <a:p>
-            <a:pPr lvl="1">
+            <a:pPr marL="285750" indent="-285750">
               <a:lnSpc>
                 <a:spcPct val="150000"/>
               </a:lnSpc>
+              <a:buFont typeface="Arial" panose="020B0604020202020204" pitchFamily="34" charset="0"/>
+              <a:buChar char="•"/>
             </a:pPr>
             <a:r>
-              <a:rPr lang="ko-KR" altLang="en-US" sz="1600" dirty="0" err="1"/>
-              <a:t>베이즈정리</a:t>
-            </a:r>
-            <a:r>
-              <a:rPr lang="ko-KR" altLang="en-US" sz="1600" dirty="0"/>
-              <a:t> </a:t>
-            </a:r>
-            <a:r>
-              <a:rPr lang="en-US" altLang="ko-KR" sz="1600" dirty="0"/>
-              <a:t>: </a:t>
-            </a:r>
-            <a:r>
-              <a:rPr lang="ko-KR" altLang="en-US" dirty="0"/>
-              <a:t>두 </a:t>
-            </a:r>
-            <a:r>
-              <a:rPr lang="ko-KR" altLang="en-US" dirty="0">
-                <a:hlinkClick r:id="rId3" tooltip="확률 변수"/>
+              <a:rPr lang="ko-KR" altLang="en-US" sz="1800" b="1" dirty="0">
+                <a:solidFill>
+                  <a:schemeClr val="tx1"/>
+                </a:solidFill>
               </a:rPr>
-              <a:t>확률 변수</a:t>
-            </a:r>
-            <a:r>
-              <a:rPr lang="ko-KR" altLang="en-US" dirty="0"/>
-              <a:t>의 </a:t>
-            </a:r>
-            <a:r>
-              <a:rPr lang="ko-KR" altLang="en-US" dirty="0">
-                <a:hlinkClick r:id="rId4" tooltip="사전 확률"/>
+              <a:t>톰슨 샘플링은 매시간에서 전체 파라미터에 대해 구한 예측 </a:t>
+            </a:r>
+            <a:r>
+              <a:rPr lang="en-US" altLang="ko-KR" sz="1800" b="1" dirty="0">
+                <a:solidFill>
+                  <a:schemeClr val="tx1"/>
+                </a:solidFill>
               </a:rPr>
-              <a:t>사전 확률</a:t>
-            </a:r>
-            <a:r>
-              <a:rPr lang="ko-KR" altLang="en-US" dirty="0"/>
-              <a:t>과 </a:t>
-            </a:r>
-            <a:r>
-              <a:rPr lang="ko-KR" altLang="en-US" dirty="0">
-                <a:hlinkClick r:id="rId5" tooltip="사후 확률"/>
+              <a:t>reward</a:t>
+            </a:r>
+            <a:r>
+              <a:rPr lang="ko-KR" altLang="en-US" sz="1800" b="1" dirty="0">
+                <a:solidFill>
+                  <a:schemeClr val="tx1"/>
+                </a:solidFill>
               </a:rPr>
-              <a:t>사후 확률</a:t>
-            </a:r>
-            <a:r>
-              <a:rPr lang="ko-KR" altLang="en-US" dirty="0"/>
-              <a:t> 사이의 관계를 나타내는 정리다</a:t>
-            </a:r>
-            <a:endParaRPr lang="en-US" altLang="ko-KR" sz="1600" dirty="0"/>
+              <a:t>를 최대화하는 </a:t>
+            </a:r>
+            <a:r>
+              <a:rPr lang="en-US" altLang="ko-KR" sz="1800" b="1" dirty="0">
+                <a:solidFill>
+                  <a:schemeClr val="tx1"/>
+                </a:solidFill>
+              </a:rPr>
+              <a:t>action</a:t>
+            </a:r>
+            <a:r>
+              <a:rPr lang="ko-KR" altLang="en-US" sz="1800" b="1" dirty="0">
+                <a:solidFill>
+                  <a:schemeClr val="tx1"/>
+                </a:solidFill>
+              </a:rPr>
+              <a:t>을 선택하는 것</a:t>
+            </a:r>
+            <a:r>
+              <a:rPr lang="en-US" altLang="ko-KR" sz="1800" b="1" dirty="0">
+                <a:solidFill>
+                  <a:schemeClr val="tx1"/>
+                </a:solidFill>
+              </a:rPr>
+              <a:t>.</a:t>
+            </a:r>
+          </a:p>
+          <a:p>
+            <a:pPr marL="285750" indent="-285750">
+              <a:lnSpc>
+                <a:spcPct val="150000"/>
+              </a:lnSpc>
+              <a:buFont typeface="Arial" panose="020B0604020202020204" pitchFamily="34" charset="0"/>
+              <a:buChar char="•"/>
+            </a:pPr>
+            <a:r>
+              <a:rPr lang="ko-KR" altLang="en-US" sz="1800" b="1" dirty="0">
+                <a:solidFill>
+                  <a:schemeClr val="tx1"/>
+                </a:solidFill>
+              </a:rPr>
+              <a:t>톰슨 샘플링은 확률적 알고리즘이고 늦게 들어오는 피드백을 수용할 수 있다는 장점이 있다</a:t>
+            </a:r>
+            <a:r>
+              <a:rPr lang="en-US" altLang="ko-KR" sz="1800" b="1" dirty="0">
+                <a:solidFill>
+                  <a:schemeClr val="tx1"/>
+                </a:solidFill>
+              </a:rPr>
+              <a:t>.</a:t>
+            </a:r>
+          </a:p>
+          <a:p>
+            <a:pPr marL="285750" indent="-285750">
+              <a:lnSpc>
+                <a:spcPct val="150000"/>
+              </a:lnSpc>
+              <a:buFont typeface="Arial" panose="020B0604020202020204" pitchFamily="34" charset="0"/>
+              <a:buChar char="•"/>
+            </a:pPr>
+            <a:r>
+              <a:rPr lang="ko-KR" altLang="en-US" sz="1800" b="1" dirty="0">
+                <a:solidFill>
+                  <a:schemeClr val="tx1"/>
+                </a:solidFill>
+              </a:rPr>
+              <a:t>가장 높은 행동을 선택 한 수 받은 보상으로부터 </a:t>
+            </a:r>
+            <a:r>
+              <a:rPr lang="ko-KR" altLang="en-US" sz="1800" b="1" u="sng" dirty="0" err="1">
+                <a:solidFill>
+                  <a:schemeClr val="tx1"/>
+                </a:solidFill>
+              </a:rPr>
+              <a:t>베이즈</a:t>
+            </a:r>
+            <a:r>
+              <a:rPr lang="ko-KR" altLang="en-US" sz="1800" b="1" u="sng" dirty="0">
+                <a:solidFill>
+                  <a:schemeClr val="tx1"/>
+                </a:solidFill>
+              </a:rPr>
+              <a:t> 정리</a:t>
+            </a:r>
+            <a:r>
+              <a:rPr lang="ko-KR" altLang="en-US" sz="1800" b="1" dirty="0">
+                <a:solidFill>
+                  <a:schemeClr val="tx1"/>
+                </a:solidFill>
+              </a:rPr>
+              <a:t>를 활용하여 가치의 분포를 업데이트 하는 방식으로 동작</a:t>
+            </a:r>
           </a:p>
         </p:txBody>
       </p:sp>
